--- a/refontedusite.pptx
+++ b/refontedusite.pptx
@@ -20,6 +20,7 @@
     <p:sldId id="268" r:id="rId14"/>
     <p:sldId id="269" r:id="rId15"/>
     <p:sldId id="270" r:id="rId16"/>
+    <p:sldId id="271" r:id="rId17"/>
   </p:sldIdLst>
   <p:sldSz cx="9144000" cy="6858000" type="screen4x3"/>
   <p:notesSz cx="6858000" cy="9144000"/>
@@ -302,7 +303,7 @@
           <a:p>
             <a:fld id="{5CDA0F95-B825-4419-B5FD-C13F33E6DADE}" type="datetimeFigureOut">
               <a:rPr lang="en-GB" smtClean="0"/>
-              <a:t>31/12/2020</a:t>
+              <a:t>01/01/2021</a:t>
             </a:fld>
             <a:endParaRPr lang="en-GB"/>
           </a:p>
@@ -472,7 +473,7 @@
           <a:p>
             <a:fld id="{5CDA0F95-B825-4419-B5FD-C13F33E6DADE}" type="datetimeFigureOut">
               <a:rPr lang="en-GB" smtClean="0"/>
-              <a:t>31/12/2020</a:t>
+              <a:t>01/01/2021</a:t>
             </a:fld>
             <a:endParaRPr lang="en-GB"/>
           </a:p>
@@ -652,7 +653,7 @@
           <a:p>
             <a:fld id="{5CDA0F95-B825-4419-B5FD-C13F33E6DADE}" type="datetimeFigureOut">
               <a:rPr lang="en-GB" smtClean="0"/>
-              <a:t>31/12/2020</a:t>
+              <a:t>01/01/2021</a:t>
             </a:fld>
             <a:endParaRPr lang="en-GB"/>
           </a:p>
@@ -822,7 +823,7 @@
           <a:p>
             <a:fld id="{5CDA0F95-B825-4419-B5FD-C13F33E6DADE}" type="datetimeFigureOut">
               <a:rPr lang="en-GB" smtClean="0"/>
-              <a:t>31/12/2020</a:t>
+              <a:t>01/01/2021</a:t>
             </a:fld>
             <a:endParaRPr lang="en-GB"/>
           </a:p>
@@ -1068,7 +1069,7 @@
           <a:p>
             <a:fld id="{5CDA0F95-B825-4419-B5FD-C13F33E6DADE}" type="datetimeFigureOut">
               <a:rPr lang="en-GB" smtClean="0"/>
-              <a:t>31/12/2020</a:t>
+              <a:t>01/01/2021</a:t>
             </a:fld>
             <a:endParaRPr lang="en-GB"/>
           </a:p>
@@ -1356,7 +1357,7 @@
           <a:p>
             <a:fld id="{5CDA0F95-B825-4419-B5FD-C13F33E6DADE}" type="datetimeFigureOut">
               <a:rPr lang="en-GB" smtClean="0"/>
-              <a:t>31/12/2020</a:t>
+              <a:t>01/01/2021</a:t>
             </a:fld>
             <a:endParaRPr lang="en-GB"/>
           </a:p>
@@ -1778,7 +1779,7 @@
           <a:p>
             <a:fld id="{5CDA0F95-B825-4419-B5FD-C13F33E6DADE}" type="datetimeFigureOut">
               <a:rPr lang="en-GB" smtClean="0"/>
-              <a:t>31/12/2020</a:t>
+              <a:t>01/01/2021</a:t>
             </a:fld>
             <a:endParaRPr lang="en-GB"/>
           </a:p>
@@ -1896,7 +1897,7 @@
           <a:p>
             <a:fld id="{5CDA0F95-B825-4419-B5FD-C13F33E6DADE}" type="datetimeFigureOut">
               <a:rPr lang="en-GB" smtClean="0"/>
-              <a:t>31/12/2020</a:t>
+              <a:t>01/01/2021</a:t>
             </a:fld>
             <a:endParaRPr lang="en-GB"/>
           </a:p>
@@ -1991,7 +1992,7 @@
           <a:p>
             <a:fld id="{5CDA0F95-B825-4419-B5FD-C13F33E6DADE}" type="datetimeFigureOut">
               <a:rPr lang="en-GB" smtClean="0"/>
-              <a:t>31/12/2020</a:t>
+              <a:t>01/01/2021</a:t>
             </a:fld>
             <a:endParaRPr lang="en-GB"/>
           </a:p>
@@ -2268,7 +2269,7 @@
           <a:p>
             <a:fld id="{5CDA0F95-B825-4419-B5FD-C13F33E6DADE}" type="datetimeFigureOut">
               <a:rPr lang="en-GB" smtClean="0"/>
-              <a:t>31/12/2020</a:t>
+              <a:t>01/01/2021</a:t>
             </a:fld>
             <a:endParaRPr lang="en-GB"/>
           </a:p>
@@ -2521,7 +2522,7 @@
           <a:p>
             <a:fld id="{5CDA0F95-B825-4419-B5FD-C13F33E6DADE}" type="datetimeFigureOut">
               <a:rPr lang="en-GB" smtClean="0"/>
-              <a:t>31/12/2020</a:t>
+              <a:t>01/01/2021</a:t>
             </a:fld>
             <a:endParaRPr lang="en-GB"/>
           </a:p>
@@ -2734,7 +2735,7 @@
           <a:p>
             <a:fld id="{5CDA0F95-B825-4419-B5FD-C13F33E6DADE}" type="datetimeFigureOut">
               <a:rPr lang="en-GB" smtClean="0"/>
-              <a:t>31/12/2020</a:t>
+              <a:t>01/01/2021</a:t>
             </a:fld>
             <a:endParaRPr lang="en-GB"/>
           </a:p>
@@ -3187,11 +3188,7 @@
           <a:p>
             <a:r>
               <a:rPr lang="fr-FR" u="sng" dirty="0" smtClean="0"/>
-              <a:t>Refonte </a:t>
-            </a:r>
-            <a:r>
-              <a:rPr lang="fr-FR" u="sng" dirty="0" smtClean="0"/>
-              <a:t>du site</a:t>
+              <a:t>Refonte du site</a:t>
             </a:r>
             <a:endParaRPr lang="en-GB" u="sng" dirty="0"/>
           </a:p>
@@ -3720,6 +3717,74 @@
     <p:extLst>
       <p:ext uri="{BB962C8B-B14F-4D97-AF65-F5344CB8AC3E}">
         <p14:creationId xmlns:p14="http://schemas.microsoft.com/office/powerpoint/2010/main" val="2497892733"/>
+      </p:ext>
+    </p:extLst>
+  </p:cSld>
+  <p:clrMapOvr>
+    <a:masterClrMapping/>
+  </p:clrMapOvr>
+</p:sld>
+</file>
+
+<file path=ppt/slides/slide16.xml><?xml version="1.0" encoding="utf-8"?>
+<p:sld xmlns:a="http://schemas.openxmlformats.org/drawingml/2006/main" xmlns:r="http://schemas.openxmlformats.org/officeDocument/2006/relationships" xmlns:p="http://schemas.openxmlformats.org/presentationml/2006/main">
+  <p:cSld>
+    <p:spTree>
+      <p:nvGrpSpPr>
+        <p:cNvPr id="1" name=""/>
+        <p:cNvGrpSpPr/>
+        <p:nvPr/>
+      </p:nvGrpSpPr>
+      <p:grpSpPr>
+        <a:xfrm>
+          <a:off x="0" y="0"/>
+          <a:ext cx="0" cy="0"/>
+          <a:chOff x="0" y="0"/>
+          <a:chExt cx="0" cy="0"/>
+        </a:xfrm>
+      </p:grpSpPr>
+      <p:sp>
+        <p:nvSpPr>
+          <p:cNvPr id="2" name="Titre 1"/>
+          <p:cNvSpPr>
+            <a:spLocks noGrp="1"/>
+          </p:cNvSpPr>
+          <p:nvPr>
+            <p:ph type="title"/>
+          </p:nvPr>
+        </p:nvSpPr>
+        <p:spPr/>
+        <p:txBody>
+          <a:bodyPr/>
+          <a:lstStyle/>
+          <a:p>
+            <a:endParaRPr lang="en-GB"/>
+          </a:p>
+        </p:txBody>
+      </p:sp>
+      <p:sp>
+        <p:nvSpPr>
+          <p:cNvPr id="3" name="Espace réservé du contenu 2"/>
+          <p:cNvSpPr>
+            <a:spLocks noGrp="1"/>
+          </p:cNvSpPr>
+          <p:nvPr>
+            <p:ph idx="1"/>
+          </p:nvPr>
+        </p:nvSpPr>
+        <p:spPr/>
+        <p:txBody>
+          <a:bodyPr/>
+          <a:lstStyle/>
+          <a:p>
+            <a:endParaRPr lang="en-GB"/>
+          </a:p>
+        </p:txBody>
+      </p:sp>
+    </p:spTree>
+    <p:extLst>
+      <p:ext uri="{BB962C8B-B14F-4D97-AF65-F5344CB8AC3E}">
+        <p14:creationId xmlns:p14="http://schemas.microsoft.com/office/powerpoint/2010/main" val="3419152439"/>
       </p:ext>
     </p:extLst>
   </p:cSld>
